--- a/Human Action Recognition - Presentation.pptx
+++ b/Human Action Recognition - Presentation.pptx
@@ -17,28 +17,29 @@
     <p:sldId id="262" r:id="rId12"/>
     <p:sldId id="263" r:id="rId13"/>
     <p:sldId id="264" r:id="rId14"/>
+    <p:sldId id="265" r:id="rId15"/>
   </p:sldIdLst>
   <p:sldSz cy="5143500" cx="9144000"/>
   <p:notesSz cx="6858000" cy="9144000"/>
   <p:embeddedFontLst>
     <p:embeddedFont>
       <p:font typeface="Roboto"/>
-      <p:regular r:id="rId15"/>
-      <p:bold r:id="rId16"/>
-      <p:italic r:id="rId17"/>
-      <p:boldItalic r:id="rId18"/>
+      <p:regular r:id="rId16"/>
+      <p:bold r:id="rId17"/>
+      <p:italic r:id="rId18"/>
+      <p:boldItalic r:id="rId19"/>
     </p:embeddedFont>
     <p:embeddedFont>
       <p:font typeface="Nunito"/>
-      <p:regular r:id="rId19"/>
-      <p:bold r:id="rId20"/>
-      <p:italic r:id="rId21"/>
-      <p:boldItalic r:id="rId22"/>
+      <p:regular r:id="rId20"/>
+      <p:bold r:id="rId21"/>
+      <p:italic r:id="rId22"/>
+      <p:boldItalic r:id="rId23"/>
     </p:embeddedFont>
     <p:embeddedFont>
       <p:font typeface="Maven Pro"/>
-      <p:regular r:id="rId23"/>
-      <p:bold r:id="rId24"/>
+      <p:regular r:id="rId24"/>
+      <p:bold r:id="rId25"/>
     </p:embeddedFont>
   </p:embeddedFontLst>
   <p:defaultTextStyle>
@@ -814,6 +815,105 @@
 </p:notes>
 </file>
 
+<file path=ppt/notesSlides/notesSlide10.xml><?xml version="1.0" encoding="utf-8"?>
+<p:notes xmlns:a="http://schemas.openxmlformats.org/drawingml/2006/main" xmlns:r="http://schemas.openxmlformats.org/officeDocument/2006/relationships" xmlns:mc="http://schemas.openxmlformats.org/markup-compatibility/2006" xmlns:mv="urn:schemas-microsoft-com:mac:vml" xmlns:p="http://schemas.openxmlformats.org/presentationml/2006/main" xmlns:c="http://schemas.openxmlformats.org/drawingml/2006/chart" xmlns:dgm="http://schemas.openxmlformats.org/drawingml/2006/diagram" xmlns:o="urn:schemas-microsoft-com:office:office" xmlns:v="urn:schemas-microsoft-com:vml" xmlns:pvml="urn:schemas-microsoft-com:office:powerpoint" xmlns:com="http://schemas.openxmlformats.org/drawingml/2006/compatibility" xmlns:p14="http://schemas.microsoft.com/office/powerpoint/2010/main" xmlns:p15="http://schemas.microsoft.com/office/powerpoint/2012/main" xmlns:ahyp="http://schemas.microsoft.com/office/drawing/2018/hyperlinkcolor" showMasterPhAnim="0" showMasterSp="0">
+  <p:cSld>
+    <p:spTree>
+      <p:nvGrpSpPr>
+        <p:cNvPr id="327" name="Shape 327"/>
+        <p:cNvGrpSpPr/>
+        <p:nvPr/>
+      </p:nvGrpSpPr>
+      <p:grpSpPr>
+        <a:xfrm>
+          <a:off x="0" y="0"/>
+          <a:ext cx="0" cy="0"/>
+          <a:chOff x="0" y="0"/>
+          <a:chExt cx="0" cy="0"/>
+        </a:xfrm>
+      </p:grpSpPr>
+      <p:sp>
+        <p:nvSpPr>
+          <p:cNvPr id="328" name="Google Shape;328;g23cb5937d7d_1_19:notes"/>
+          <p:cNvSpPr/>
+          <p:nvPr>
+            <p:ph idx="2" type="sldImg"/>
+          </p:nvPr>
+        </p:nvSpPr>
+        <p:spPr>
+          <a:xfrm>
+            <a:off x="381300" y="685800"/>
+            <a:ext cx="6096000" cy="3429000"/>
+          </a:xfrm>
+          <a:custGeom>
+            <a:rect b="b" l="l" r="r" t="t"/>
+            <a:pathLst>
+              <a:path extrusionOk="0" h="120000" w="120000">
+                <a:moveTo>
+                  <a:pt x="0" y="0"/>
+                </a:moveTo>
+                <a:lnTo>
+                  <a:pt x="120000" y="0"/>
+                </a:lnTo>
+                <a:lnTo>
+                  <a:pt x="120000" y="120000"/>
+                </a:lnTo>
+                <a:lnTo>
+                  <a:pt x="0" y="120000"/>
+                </a:lnTo>
+                <a:close/>
+              </a:path>
+            </a:pathLst>
+          </a:custGeom>
+        </p:spPr>
+      </p:sp>
+      <p:sp>
+        <p:nvSpPr>
+          <p:cNvPr id="329" name="Google Shape;329;g23cb5937d7d_1_19:notes"/>
+          <p:cNvSpPr txBox="1"/>
+          <p:nvPr>
+            <p:ph idx="1" type="body"/>
+          </p:nvPr>
+        </p:nvSpPr>
+        <p:spPr>
+          <a:xfrm>
+            <a:off x="685800" y="4343400"/>
+            <a:ext cx="5486400" cy="4114800"/>
+          </a:xfrm>
+          <a:prstGeom prst="rect">
+            <a:avLst/>
+          </a:prstGeom>
+        </p:spPr>
+        <p:txBody>
+          <a:bodyPr anchorCtr="0" anchor="t" bIns="91425" lIns="91425" spcFirstLastPara="1" rIns="91425" wrap="square" tIns="91425">
+            <a:noAutofit/>
+          </a:bodyPr>
+          <a:lstStyle/>
+          <a:p>
+            <a:pPr indent="0" lvl="0" marL="0" rtl="0" algn="l">
+              <a:spcBef>
+                <a:spcPts val="0"/>
+              </a:spcBef>
+              <a:spcAft>
+                <a:spcPts val="0"/>
+              </a:spcAft>
+              <a:buNone/>
+            </a:pPr>
+            <a:r>
+              <a:t/>
+            </a:r>
+            <a:endParaRPr/>
+          </a:p>
+        </p:txBody>
+      </p:sp>
+    </p:spTree>
+  </p:cSld>
+  <p:clrMapOvr>
+    <a:masterClrMapping/>
+  </p:clrMapOvr>
+</p:notes>
+</file>
+
 <file path=ppt/notesSlides/notesSlide2.xml><?xml version="1.0" encoding="utf-8"?>
 <p:notes xmlns:a="http://schemas.openxmlformats.org/drawingml/2006/main" xmlns:r="http://schemas.openxmlformats.org/officeDocument/2006/relationships" xmlns:mc="http://schemas.openxmlformats.org/markup-compatibility/2006" xmlns:mv="urn:schemas-microsoft-com:mac:vml" xmlns:p="http://schemas.openxmlformats.org/presentationml/2006/main" xmlns:c="http://schemas.openxmlformats.org/drawingml/2006/chart" xmlns:dgm="http://schemas.openxmlformats.org/drawingml/2006/diagram" xmlns:o="urn:schemas-microsoft-com:office:office" xmlns:v="urn:schemas-microsoft-com:vml" xmlns:pvml="urn:schemas-microsoft-com:office:powerpoint" xmlns:com="http://schemas.openxmlformats.org/drawingml/2006/compatibility" xmlns:p14="http://schemas.microsoft.com/office/powerpoint/2010/main" xmlns:p15="http://schemas.microsoft.com/office/powerpoint/2012/main" xmlns:ahyp="http://schemas.microsoft.com/office/drawing/2018/hyperlinkcolor" showMasterPhAnim="0" showMasterSp="0">
   <p:cSld>
@@ -1031,7 +1131,7 @@
       </p:grpSpPr>
       <p:sp>
         <p:nvSpPr>
-          <p:cNvPr id="292" name="Google Shape;292;g23c41ed870e_0_1089:notes"/>
+          <p:cNvPr id="292" name="Google Shape;292;g23cae9e0390_1_0:notes"/>
           <p:cNvSpPr/>
           <p:nvPr>
             <p:ph idx="2" type="sldImg"/>
@@ -1066,7 +1166,7 @@
       </p:sp>
       <p:sp>
         <p:nvSpPr>
-          <p:cNvPr id="293" name="Google Shape;293;g23c41ed870e_0_1089:notes"/>
+          <p:cNvPr id="293" name="Google Shape;293;g23cae9e0390_1_0:notes"/>
           <p:cNvSpPr txBox="1"/>
           <p:nvPr>
             <p:ph idx="1" type="body"/>
@@ -1130,7 +1230,7 @@
       </p:grpSpPr>
       <p:sp>
         <p:nvSpPr>
-          <p:cNvPr id="298" name="Google Shape;298;g23c41ed870e_0_1095:notes"/>
+          <p:cNvPr id="298" name="Google Shape;298;g23c41ed870e_0_1089:notes"/>
           <p:cNvSpPr/>
           <p:nvPr>
             <p:ph idx="2" type="sldImg"/>
@@ -1165,7 +1265,7 @@
       </p:sp>
       <p:sp>
         <p:nvSpPr>
-          <p:cNvPr id="299" name="Google Shape;299;g23c41ed870e_0_1095:notes"/>
+          <p:cNvPr id="299" name="Google Shape;299;g23c41ed870e_0_1089:notes"/>
           <p:cNvSpPr txBox="1"/>
           <p:nvPr>
             <p:ph idx="1" type="body"/>
@@ -1229,7 +1329,7 @@
       </p:grpSpPr>
       <p:sp>
         <p:nvSpPr>
-          <p:cNvPr id="304" name="Google Shape;304;g23cb5937d7d_1_6:notes"/>
+          <p:cNvPr id="304" name="Google Shape;304;g23c41ed870e_0_1095:notes"/>
           <p:cNvSpPr/>
           <p:nvPr>
             <p:ph idx="2" type="sldImg"/>
@@ -1264,7 +1364,7 @@
       </p:sp>
       <p:sp>
         <p:nvSpPr>
-          <p:cNvPr id="305" name="Google Shape;305;g23cb5937d7d_1_6:notes"/>
+          <p:cNvPr id="305" name="Google Shape;305;g23c41ed870e_0_1095:notes"/>
           <p:cNvSpPr txBox="1"/>
           <p:nvPr>
             <p:ph idx="1" type="body"/>
@@ -1328,7 +1428,7 @@
       </p:grpSpPr>
       <p:sp>
         <p:nvSpPr>
-          <p:cNvPr id="310" name="Google Shape;310;g23cb5937d7d_1_12:notes"/>
+          <p:cNvPr id="310" name="Google Shape;310;g23cb5937d7d_1_6:notes"/>
           <p:cNvSpPr/>
           <p:nvPr>
             <p:ph idx="2" type="sldImg"/>
@@ -1363,7 +1463,7 @@
       </p:sp>
       <p:sp>
         <p:nvSpPr>
-          <p:cNvPr id="311" name="Google Shape;311;g23cb5937d7d_1_12:notes"/>
+          <p:cNvPr id="311" name="Google Shape;311;g23cb5937d7d_1_6:notes"/>
           <p:cNvSpPr txBox="1"/>
           <p:nvPr>
             <p:ph idx="1" type="body"/>
@@ -1427,7 +1527,7 @@
       </p:grpSpPr>
       <p:sp>
         <p:nvSpPr>
-          <p:cNvPr id="316" name="Google Shape;316;g23c41ed870e_0_1101:notes"/>
+          <p:cNvPr id="316" name="Google Shape;316;g23cb5937d7d_1_12:notes"/>
           <p:cNvSpPr/>
           <p:nvPr>
             <p:ph idx="2" type="sldImg"/>
@@ -1462,7 +1562,7 @@
       </p:sp>
       <p:sp>
         <p:nvSpPr>
-          <p:cNvPr id="317" name="Google Shape;317;g23c41ed870e_0_1101:notes"/>
+          <p:cNvPr id="317" name="Google Shape;317;g23cb5937d7d_1_12:notes"/>
           <p:cNvSpPr txBox="1"/>
           <p:nvPr>
             <p:ph idx="1" type="body"/>
@@ -1526,7 +1626,7 @@
       </p:grpSpPr>
       <p:sp>
         <p:nvSpPr>
-          <p:cNvPr id="322" name="Google Shape;322;g23cb5937d7d_1_19:notes"/>
+          <p:cNvPr id="322" name="Google Shape;322;g23c41ed870e_0_1101:notes"/>
           <p:cNvSpPr/>
           <p:nvPr>
             <p:ph idx="2" type="sldImg"/>
@@ -1561,7 +1661,7 @@
       </p:sp>
       <p:sp>
         <p:nvSpPr>
-          <p:cNvPr id="323" name="Google Shape;323;g23cb5937d7d_1_19:notes"/>
+          <p:cNvPr id="323" name="Google Shape;323;g23c41ed870e_0_1101:notes"/>
           <p:cNvSpPr txBox="1"/>
           <p:nvPr>
             <p:ph idx="1" type="body"/>
@@ -15944,7 +16044,7 @@
         </p:nvSpPr>
         <p:spPr>
           <a:xfrm>
-            <a:off x="2592525" y="2317175"/>
+            <a:off x="2262375" y="2256350"/>
             <a:ext cx="6229200" cy="1050300"/>
           </a:xfrm>
           <a:prstGeom prst="rect">
@@ -15971,31 +16071,190 @@
               <a:buNone/>
             </a:pPr>
             <a:r>
-              <a:rPr lang="en" sz="1500"/>
+              <a:rPr b="1" lang="en" sz="1500">
+                <a:latin typeface="Maven Pro"/>
+                <a:ea typeface="Maven Pro"/>
+                <a:cs typeface="Maven Pro"/>
+                <a:sym typeface="Maven Pro"/>
+              </a:rPr>
+              <a:t>Group-11</a:t>
+            </a:r>
+            <a:endParaRPr b="1" sz="1500">
+              <a:latin typeface="Maven Pro"/>
+              <a:ea typeface="Maven Pro"/>
+              <a:cs typeface="Maven Pro"/>
+              <a:sym typeface="Maven Pro"/>
+            </a:endParaRPr>
+          </a:p>
+          <a:p>
+            <a:pPr indent="0" lvl="0" marL="914400" rtl="0" algn="l">
+              <a:lnSpc>
+                <a:spcPct val="80000"/>
+              </a:lnSpc>
+              <a:spcBef>
+                <a:spcPts val="0"/>
+              </a:spcBef>
+              <a:spcAft>
+                <a:spcPts val="0"/>
+              </a:spcAft>
+              <a:buSzPts val="688"/>
+              <a:buNone/>
+            </a:pPr>
+            <a:r>
+              <a:t/>
+            </a:r>
+            <a:endParaRPr b="1" sz="1500">
+              <a:latin typeface="Maven Pro"/>
+              <a:ea typeface="Maven Pro"/>
+              <a:cs typeface="Maven Pro"/>
+              <a:sym typeface="Maven Pro"/>
+            </a:endParaRPr>
+          </a:p>
+          <a:p>
+            <a:pPr indent="0" lvl="0" marL="914400" rtl="0" algn="l">
+              <a:lnSpc>
+                <a:spcPct val="80000"/>
+              </a:lnSpc>
+              <a:spcBef>
+                <a:spcPts val="0"/>
+              </a:spcBef>
+              <a:spcAft>
+                <a:spcPts val="0"/>
+              </a:spcAft>
+              <a:buSzPts val="688"/>
+              <a:buNone/>
+            </a:pPr>
+            <a:r>
+              <a:rPr b="1" lang="en" sz="1500">
+                <a:latin typeface="Maven Pro"/>
+                <a:ea typeface="Maven Pro"/>
+                <a:cs typeface="Maven Pro"/>
+                <a:sym typeface="Maven Pro"/>
+              </a:rPr>
               <a:t>Vivek Sai Gujja</a:t>
             </a:r>
             <a:br>
-              <a:rPr lang="en" sz="1500"/>
+              <a:rPr b="1" lang="en" sz="1500">
+                <a:latin typeface="Maven Pro"/>
+                <a:ea typeface="Maven Pro"/>
+                <a:cs typeface="Maven Pro"/>
+                <a:sym typeface="Maven Pro"/>
+              </a:rPr>
             </a:br>
             <a:r>
-              <a:rPr lang="en" sz="1500"/>
+              <a:rPr b="1" lang="en" sz="1500">
+                <a:latin typeface="Maven Pro"/>
+                <a:ea typeface="Maven Pro"/>
+                <a:cs typeface="Maven Pro"/>
+                <a:sym typeface="Maven Pro"/>
+              </a:rPr>
               <a:t>Ajith Gannamaneni</a:t>
             </a:r>
             <a:br>
-              <a:rPr lang="en" sz="1500"/>
+              <a:rPr b="1" lang="en" sz="1500">
+                <a:latin typeface="Maven Pro"/>
+                <a:ea typeface="Maven Pro"/>
+                <a:cs typeface="Maven Pro"/>
+                <a:sym typeface="Maven Pro"/>
+              </a:rPr>
             </a:br>
             <a:r>
-              <a:rPr lang="en" sz="1500"/>
+              <a:rPr b="1" lang="en" sz="1500">
+                <a:latin typeface="Maven Pro"/>
+                <a:ea typeface="Maven Pro"/>
+                <a:cs typeface="Maven Pro"/>
+                <a:sym typeface="Maven Pro"/>
+              </a:rPr>
               <a:t>Abhinav Botla</a:t>
             </a:r>
             <a:br>
-              <a:rPr lang="en" sz="1500"/>
+              <a:rPr b="1" lang="en" sz="1500">
+                <a:latin typeface="Maven Pro"/>
+                <a:ea typeface="Maven Pro"/>
+                <a:cs typeface="Maven Pro"/>
+                <a:sym typeface="Maven Pro"/>
+              </a:rPr>
             </a:br>
             <a:r>
-              <a:rPr lang="en" sz="1500"/>
+              <a:rPr b="1" lang="en" sz="1500">
+                <a:latin typeface="Maven Pro"/>
+                <a:ea typeface="Maven Pro"/>
+                <a:cs typeface="Maven Pro"/>
+                <a:sym typeface="Maven Pro"/>
+              </a:rPr>
               <a:t>Sumanth Para</a:t>
             </a:r>
-            <a:endParaRPr sz="1500"/>
+            <a:endParaRPr b="1" sz="1500">
+              <a:latin typeface="Maven Pro"/>
+              <a:ea typeface="Maven Pro"/>
+              <a:cs typeface="Maven Pro"/>
+              <a:sym typeface="Maven Pro"/>
+            </a:endParaRPr>
+          </a:p>
+        </p:txBody>
+      </p:sp>
+    </p:spTree>
+  </p:cSld>
+  <p:clrMapOvr>
+    <a:masterClrMapping/>
+  </p:clrMapOvr>
+</p:sld>
+</file>
+
+<file path=ppt/slides/slide10.xml><?xml version="1.0" encoding="utf-8"?>
+<p:sld xmlns:a="http://schemas.openxmlformats.org/drawingml/2006/main" xmlns:r="http://schemas.openxmlformats.org/officeDocument/2006/relationships" xmlns:mc="http://schemas.openxmlformats.org/markup-compatibility/2006" xmlns:mv="urn:schemas-microsoft-com:mac:vml" xmlns:p="http://schemas.openxmlformats.org/presentationml/2006/main" xmlns:c="http://schemas.openxmlformats.org/drawingml/2006/chart" xmlns:dgm="http://schemas.openxmlformats.org/drawingml/2006/diagram" xmlns:o="urn:schemas-microsoft-com:office:office" xmlns:v="urn:schemas-microsoft-com:vml" xmlns:pvml="urn:schemas-microsoft-com:office:powerpoint" xmlns:com="http://schemas.openxmlformats.org/drawingml/2006/compatibility" xmlns:p14="http://schemas.microsoft.com/office/powerpoint/2010/main" xmlns:p15="http://schemas.microsoft.com/office/powerpoint/2012/main" xmlns:ahyp="http://schemas.microsoft.com/office/drawing/2018/hyperlinkcolor">
+  <p:cSld>
+    <p:spTree>
+      <p:nvGrpSpPr>
+        <p:cNvPr id="330" name="Shape 330"/>
+        <p:cNvGrpSpPr/>
+        <p:nvPr/>
+      </p:nvGrpSpPr>
+      <p:grpSpPr>
+        <a:xfrm>
+          <a:off x="0" y="0"/>
+          <a:ext cx="0" cy="0"/>
+          <a:chOff x="0" y="0"/>
+          <a:chExt cx="0" cy="0"/>
+        </a:xfrm>
+      </p:grpSpPr>
+      <p:sp>
+        <p:nvSpPr>
+          <p:cNvPr id="331" name="Google Shape;331;p22"/>
+          <p:cNvSpPr txBox="1"/>
+          <p:nvPr>
+            <p:ph type="ctrTitle"/>
+          </p:nvPr>
+        </p:nvSpPr>
+        <p:spPr>
+          <a:xfrm>
+            <a:off x="2314275" y="1635288"/>
+            <a:ext cx="4255500" cy="1872900"/>
+          </a:xfrm>
+          <a:prstGeom prst="rect">
+            <a:avLst/>
+          </a:prstGeom>
+        </p:spPr>
+        <p:txBody>
+          <a:bodyPr anchorCtr="0" anchor="ctr" bIns="91425" lIns="91425" spcFirstLastPara="1" rIns="91425" wrap="square" tIns="91425">
+            <a:normAutofit/>
+          </a:bodyPr>
+          <a:lstStyle/>
+          <a:p>
+            <a:pPr indent="0" lvl="0" marL="0" rtl="0" algn="ctr">
+              <a:spcBef>
+                <a:spcPts val="0"/>
+              </a:spcBef>
+              <a:spcAft>
+                <a:spcPts val="0"/>
+              </a:spcAft>
+              <a:buNone/>
+            </a:pPr>
+            <a:r>
+              <a:rPr lang="en" sz="4700"/>
+              <a:t>Thank you!!</a:t>
+            </a:r>
+            <a:endParaRPr sz="4700"/>
           </a:p>
         </p:txBody>
       </p:sp>
@@ -16317,7 +16576,7 @@
         </p:nvSpPr>
         <p:spPr>
           <a:xfrm>
-            <a:off x="2898175" y="-232562"/>
+            <a:off x="1197600" y="440888"/>
             <a:ext cx="4255500" cy="1872900"/>
           </a:xfrm>
           <a:prstGeom prst="rect">
@@ -16341,11 +16600,7 @@
             </a:pPr>
             <a:r>
               <a:rPr lang="en"/>
-              <a:t>Tech</a:t>
-            </a:r>
-            <a:r>
-              <a:rPr lang="en"/>
-              <a:t> Stack</a:t>
+              <a:t>Requirements</a:t>
             </a:r>
             <a:endParaRPr/>
           </a:p>
@@ -16361,8 +16616,8 @@
         </p:nvSpPr>
         <p:spPr>
           <a:xfrm>
-            <a:off x="674825" y="1174425"/>
-            <a:ext cx="8045100" cy="3843900"/>
+            <a:off x="1267100" y="1867650"/>
+            <a:ext cx="5588100" cy="1998600"/>
           </a:xfrm>
           <a:prstGeom prst="rect">
             <a:avLst/>
@@ -16370,127 +16625,24 @@
         </p:spPr>
         <p:txBody>
           <a:bodyPr anchorCtr="0" anchor="t" bIns="91425" lIns="91425" spcFirstLastPara="1" rIns="91425" wrap="square" tIns="91425">
-            <a:noAutofit/>
+            <a:normAutofit lnSpcReduction="10000"/>
           </a:bodyPr>
           <a:lstStyle/>
           <a:p>
-            <a:pPr indent="-336550" lvl="0" marL="457200" rtl="0" algn="l">
-              <a:spcBef>
-                <a:spcPts val="0"/>
-              </a:spcBef>
-              <a:spcAft>
-                <a:spcPts val="0"/>
-              </a:spcAft>
-              <a:buSzPts val="1700"/>
-              <a:buChar char="●"/>
+            <a:pPr indent="0" lvl="0" marL="0" rtl="0" algn="l">
+              <a:spcBef>
+                <a:spcPts val="0"/>
+              </a:spcBef>
+              <a:spcAft>
+                <a:spcPts val="0"/>
+              </a:spcAft>
+              <a:buNone/>
             </a:pPr>
             <a:r>
-              <a:rPr lang="en" sz="1700"/>
-              <a:t>Node.js is used for handling the user interface and creating the server-side logic.</a:t>
+              <a:rPr b="1" lang="en"/>
+              <a:t>Python 3.10</a:t>
             </a:r>
-            <a:endParaRPr sz="1700"/>
-          </a:p>
-          <a:p>
-            <a:pPr indent="-336550" lvl="0" marL="457200" rtl="0" algn="l">
-              <a:spcBef>
-                <a:spcPts val="0"/>
-              </a:spcBef>
-              <a:spcAft>
-                <a:spcPts val="0"/>
-              </a:spcAft>
-              <a:buSzPts val="1700"/>
-              <a:buChar char="●"/>
-            </a:pPr>
-            <a:r>
-              <a:rPr lang="en" sz="1700"/>
-              <a:t>Express provides a simple and easy-to-use framework for creating server-side applications.</a:t>
-            </a:r>
-            <a:endParaRPr sz="1700"/>
-          </a:p>
-          <a:p>
-            <a:pPr indent="-336550" lvl="0" marL="457200" rtl="0" algn="l">
-              <a:spcBef>
-                <a:spcPts val="0"/>
-              </a:spcBef>
-              <a:spcAft>
-                <a:spcPts val="0"/>
-              </a:spcAft>
-              <a:buSzPts val="1700"/>
-              <a:buChar char="●"/>
-            </a:pPr>
-            <a:r>
-              <a:rPr lang="en" sz="1700"/>
-              <a:t>Python Flask is used for processing video files and making requests to the machine learning model.</a:t>
-            </a:r>
-            <a:endParaRPr sz="1700"/>
-          </a:p>
-          <a:p>
-            <a:pPr indent="-336550" lvl="0" marL="457200" rtl="0" algn="l">
-              <a:spcBef>
-                <a:spcPts val="0"/>
-              </a:spcBef>
-              <a:spcAft>
-                <a:spcPts val="0"/>
-              </a:spcAft>
-              <a:buSzPts val="1700"/>
-              <a:buChar char="●"/>
-            </a:pPr>
-            <a:r>
-              <a:rPr lang="en" sz="1700"/>
-              <a:t>The machine learning model is trained using a convolutional neural network (CNN) and utilizes transfer learning to improve accuracy.</a:t>
-            </a:r>
-            <a:endParaRPr sz="1700"/>
-          </a:p>
-          <a:p>
-            <a:pPr indent="-336550" lvl="0" marL="457200" rtl="0" algn="l">
-              <a:spcBef>
-                <a:spcPts val="0"/>
-              </a:spcBef>
-              <a:spcAft>
-                <a:spcPts val="0"/>
-              </a:spcAft>
-              <a:buSzPts val="1700"/>
-              <a:buChar char="●"/>
-            </a:pPr>
-            <a:r>
-              <a:rPr lang="en" sz="1700"/>
-              <a:t>The UCF101 dataset contains videos of 101 different human actions, which were used to train the machine learning model.</a:t>
-            </a:r>
-            <a:endParaRPr sz="1700"/>
-          </a:p>
-          <a:p>
-            <a:pPr indent="-336550" lvl="0" marL="457200" rtl="0" algn="l">
-              <a:spcBef>
-                <a:spcPts val="0"/>
-              </a:spcBef>
-              <a:spcAft>
-                <a:spcPts val="0"/>
-              </a:spcAft>
-              <a:buSzPts val="1700"/>
-              <a:buChar char="●"/>
-            </a:pPr>
-            <a:r>
-              <a:rPr lang="en" sz="1700"/>
-              <a:t>Splitting video into image blobs using OpenCV's cv2 library.</a:t>
-            </a:r>
-            <a:endParaRPr sz="1800"/>
-          </a:p>
-          <a:p>
-            <a:pPr indent="-336550" lvl="0" marL="457200" rtl="0" algn="l">
-              <a:spcBef>
-                <a:spcPts val="0"/>
-              </a:spcBef>
-              <a:spcAft>
-                <a:spcPts val="0"/>
-              </a:spcAft>
-              <a:buSzPts val="1700"/>
-              <a:buChar char="●"/>
-            </a:pPr>
-            <a:r>
-              <a:rPr lang="en" sz="1700"/>
-              <a:t>The model achieves an accuracy of 85% on the UCF101 dataset, which makes it suitable for predicting human actions in real-world scenarios.</a:t>
-            </a:r>
-            <a:endParaRPr sz="1700"/>
+            <a:endParaRPr b="1"/>
           </a:p>
           <a:p>
             <a:pPr indent="0" lvl="0" marL="0" rtl="0" algn="l">
@@ -16500,13 +16652,109 @@
               <a:spcAft>
                 <a:spcPts val="0"/>
               </a:spcAft>
-              <a:buSzPts val="275"/>
               <a:buNone/>
             </a:pPr>
             <a:r>
-              <a:t/>
+              <a:rPr b="1" lang="en"/>
+              <a:t>OpenCV</a:t>
             </a:r>
-            <a:endParaRPr sz="1700"/>
+            <a:endParaRPr b="1"/>
+          </a:p>
+          <a:p>
+            <a:pPr indent="0" lvl="0" marL="0" rtl="0" algn="l">
+              <a:spcBef>
+                <a:spcPts val="0"/>
+              </a:spcBef>
+              <a:spcAft>
+                <a:spcPts val="0"/>
+              </a:spcAft>
+              <a:buNone/>
+            </a:pPr>
+            <a:r>
+              <a:rPr b="1" lang="en"/>
+              <a:t>Flask</a:t>
+            </a:r>
+            <a:endParaRPr b="1"/>
+          </a:p>
+          <a:p>
+            <a:pPr indent="0" lvl="0" marL="0" rtl="0" algn="l">
+              <a:spcBef>
+                <a:spcPts val="0"/>
+              </a:spcBef>
+              <a:spcAft>
+                <a:spcPts val="0"/>
+              </a:spcAft>
+              <a:buNone/>
+            </a:pPr>
+            <a:r>
+              <a:rPr b="1" lang="en"/>
+              <a:t>Gdown</a:t>
+            </a:r>
+            <a:endParaRPr b="1"/>
+          </a:p>
+          <a:p>
+            <a:pPr indent="0" lvl="0" marL="0" rtl="0" algn="l">
+              <a:spcBef>
+                <a:spcPts val="0"/>
+              </a:spcBef>
+              <a:spcAft>
+                <a:spcPts val="0"/>
+              </a:spcAft>
+              <a:buNone/>
+            </a:pPr>
+            <a:r>
+              <a:rPr b="1" lang="en"/>
+              <a:t>Node js</a:t>
+            </a:r>
+            <a:endParaRPr b="1"/>
+          </a:p>
+          <a:p>
+            <a:pPr indent="0" lvl="0" marL="0" rtl="0" algn="l">
+              <a:spcBef>
+                <a:spcPts val="0"/>
+              </a:spcBef>
+              <a:spcAft>
+                <a:spcPts val="0"/>
+              </a:spcAft>
+              <a:buNone/>
+            </a:pPr>
+            <a:r>
+              <a:rPr b="1" lang="en"/>
+              <a:t>Express</a:t>
+            </a:r>
+            <a:endParaRPr b="1"/>
+          </a:p>
+          <a:p>
+            <a:pPr indent="0" lvl="0" marL="0" rtl="0" algn="l">
+              <a:spcBef>
+                <a:spcPts val="0"/>
+              </a:spcBef>
+              <a:spcAft>
+                <a:spcPts val="0"/>
+              </a:spcAft>
+              <a:buNone/>
+            </a:pPr>
+            <a:r>
+              <a:rPr b="1" lang="en"/>
+              <a:t>Resnet kinetics model</a:t>
+            </a:r>
+            <a:endParaRPr b="1"/>
+          </a:p>
+          <a:p>
+            <a:pPr indent="0" lvl="0" marL="0" rtl="0" algn="l">
+              <a:spcBef>
+                <a:spcPts val="0"/>
+              </a:spcBef>
+              <a:spcAft>
+                <a:spcPts val="0"/>
+              </a:spcAft>
+              <a:buNone/>
+            </a:pPr>
+            <a:r>
+              <a:rPr b="1" lang="en"/>
+              <a:t>Internet Browser</a:t>
+            </a:r>
+            <a:endParaRPr b="1"/>
           </a:p>
         </p:txBody>
       </p:sp>
@@ -16545,7 +16793,7 @@
         </p:nvSpPr>
         <p:spPr>
           <a:xfrm>
-            <a:off x="3149975" y="-592262"/>
+            <a:off x="2898175" y="-232562"/>
             <a:ext cx="4255500" cy="1872900"/>
           </a:xfrm>
           <a:prstGeom prst="rect">
@@ -16569,7 +16817,11 @@
             </a:pPr>
             <a:r>
               <a:rPr lang="en"/>
-              <a:t>Deployment</a:t>
+              <a:t>Tech</a:t>
+            </a:r>
+            <a:r>
+              <a:rPr lang="en"/>
+              <a:t> Stack</a:t>
             </a:r>
             <a:endParaRPr/>
           </a:p>
@@ -16585,8 +16837,8 @@
         </p:nvSpPr>
         <p:spPr>
           <a:xfrm>
-            <a:off x="824000" y="678175"/>
-            <a:ext cx="8111700" cy="4100400"/>
+            <a:off x="674825" y="1174425"/>
+            <a:ext cx="8045100" cy="3843900"/>
           </a:xfrm>
           <a:prstGeom prst="rect">
             <a:avLst/>
@@ -16594,7 +16846,7 @@
         </p:spPr>
         <p:txBody>
           <a:bodyPr anchorCtr="0" anchor="t" bIns="91425" lIns="91425" spcFirstLastPara="1" rIns="91425" wrap="square" tIns="91425">
-            <a:normAutofit/>
+            <a:noAutofit/>
           </a:bodyPr>
           <a:lstStyle/>
           <a:p>
@@ -16610,7 +16862,7 @@
             </a:pPr>
             <a:r>
               <a:rPr lang="en" sz="1700"/>
-              <a:t>Node.js application was deployed on Heroku cloud using the command line interface</a:t>
+              <a:t>Node.js is used for handling the user interface and creating the server-side logic.</a:t>
             </a:r>
             <a:endParaRPr sz="1700"/>
           </a:p>
@@ -16627,7 +16879,7 @@
             </a:pPr>
             <a:r>
               <a:rPr lang="en" sz="1700"/>
-              <a:t>Python Flask was deployed on AWS EC2(t2.medium)</a:t>
+              <a:t>Express provides a simple and easy-to-use framework for creating server-side applications.</a:t>
             </a:r>
             <a:endParaRPr sz="1700"/>
           </a:p>
@@ -16644,7 +16896,7 @@
             </a:pPr>
             <a:r>
               <a:rPr lang="en" sz="1700"/>
-              <a:t>Heroku was chosen for deploying the Node.js application due to its ease of use and quick deployment process</a:t>
+              <a:t>Python Flask is used for processing video files and making requests to the machine learning model.</a:t>
             </a:r>
             <a:endParaRPr sz="1700"/>
           </a:p>
@@ -16661,7 +16913,7 @@
             </a:pPr>
             <a:r>
               <a:rPr lang="en" sz="1700"/>
-              <a:t>AWS EC2 was chosen for deploying the Flask application due to its scalability and flexibility</a:t>
+              <a:t>The machine learning model is trained using a convolutional neural network (CNN) and utilizes transfer learning to improve accuracy.</a:t>
             </a:r>
             <a:endParaRPr sz="1700"/>
           </a:p>
@@ -16678,20 +16930,43 @@
             </a:pPr>
             <a:r>
               <a:rPr lang="en" sz="1700"/>
-              <a:t>Both deployments were successful and the web application is now live and accessible to users.</a:t>
+              <a:t>The UCF101 dataset contains videos of 101 different human actions, which were used to train the machine learning model.</a:t>
             </a:r>
-            <a:endParaRPr sz="1300">
-              <a:solidFill>
-                <a:srgbClr val="374151"/>
-              </a:solidFill>
-              <a:highlight>
-                <a:srgbClr val="F7F7F8"/>
-              </a:highlight>
-              <a:latin typeface="Roboto"/>
-              <a:ea typeface="Roboto"/>
-              <a:cs typeface="Roboto"/>
-              <a:sym typeface="Roboto"/>
-            </a:endParaRPr>
+            <a:endParaRPr sz="1700"/>
+          </a:p>
+          <a:p>
+            <a:pPr indent="-336550" lvl="0" marL="457200" rtl="0" algn="l">
+              <a:spcBef>
+                <a:spcPts val="0"/>
+              </a:spcBef>
+              <a:spcAft>
+                <a:spcPts val="0"/>
+              </a:spcAft>
+              <a:buSzPts val="1700"/>
+              <a:buChar char="●"/>
+            </a:pPr>
+            <a:r>
+              <a:rPr lang="en" sz="1700"/>
+              <a:t>Splitting video into image blobs using OpenCV's cv2 library.</a:t>
+            </a:r>
+            <a:endParaRPr sz="1800"/>
+          </a:p>
+          <a:p>
+            <a:pPr indent="-336550" lvl="0" marL="457200" rtl="0" algn="l">
+              <a:spcBef>
+                <a:spcPts val="0"/>
+              </a:spcBef>
+              <a:spcAft>
+                <a:spcPts val="0"/>
+              </a:spcAft>
+              <a:buSzPts val="1700"/>
+              <a:buChar char="●"/>
+            </a:pPr>
+            <a:r>
+              <a:rPr lang="en" sz="1700"/>
+              <a:t>The model achieves an accuracy of 85% on the UCF101 dataset, which makes it suitable for predicting human actions in real-world scenarios.</a:t>
+            </a:r>
+            <a:endParaRPr sz="1700"/>
           </a:p>
           <a:p>
             <a:pPr indent="0" lvl="0" marL="0" rtl="0" algn="l">
@@ -16701,6 +16976,7 @@
               <a:spcAft>
                 <a:spcPts val="0"/>
               </a:spcAft>
+              <a:buSzPts val="275"/>
               <a:buNone/>
             </a:pPr>
             <a:r>
@@ -16745,6 +17021,206 @@
         </p:nvSpPr>
         <p:spPr>
           <a:xfrm>
+            <a:off x="3149975" y="-592262"/>
+            <a:ext cx="4255500" cy="1872900"/>
+          </a:xfrm>
+          <a:prstGeom prst="rect">
+            <a:avLst/>
+          </a:prstGeom>
+        </p:spPr>
+        <p:txBody>
+          <a:bodyPr anchorCtr="0" anchor="ctr" bIns="91425" lIns="91425" spcFirstLastPara="1" rIns="91425" wrap="square" tIns="91425">
+            <a:normAutofit/>
+          </a:bodyPr>
+          <a:lstStyle/>
+          <a:p>
+            <a:pPr indent="0" lvl="0" marL="0" rtl="0" algn="l">
+              <a:spcBef>
+                <a:spcPts val="0"/>
+              </a:spcBef>
+              <a:spcAft>
+                <a:spcPts val="0"/>
+              </a:spcAft>
+              <a:buNone/>
+            </a:pPr>
+            <a:r>
+              <a:rPr lang="en"/>
+              <a:t>Deployment</a:t>
+            </a:r>
+            <a:endParaRPr/>
+          </a:p>
+        </p:txBody>
+      </p:sp>
+      <p:sp>
+        <p:nvSpPr>
+          <p:cNvPr id="308" name="Google Shape;308;p18"/>
+          <p:cNvSpPr txBox="1"/>
+          <p:nvPr>
+            <p:ph idx="1" type="subTitle"/>
+          </p:nvPr>
+        </p:nvSpPr>
+        <p:spPr>
+          <a:xfrm>
+            <a:off x="824000" y="678175"/>
+            <a:ext cx="8111700" cy="4100400"/>
+          </a:xfrm>
+          <a:prstGeom prst="rect">
+            <a:avLst/>
+          </a:prstGeom>
+        </p:spPr>
+        <p:txBody>
+          <a:bodyPr anchorCtr="0" anchor="t" bIns="91425" lIns="91425" spcFirstLastPara="1" rIns="91425" wrap="square" tIns="91425">
+            <a:normAutofit/>
+          </a:bodyPr>
+          <a:lstStyle/>
+          <a:p>
+            <a:pPr indent="-336550" lvl="0" marL="457200" rtl="0" algn="l">
+              <a:spcBef>
+                <a:spcPts val="0"/>
+              </a:spcBef>
+              <a:spcAft>
+                <a:spcPts val="0"/>
+              </a:spcAft>
+              <a:buSzPts val="1700"/>
+              <a:buChar char="●"/>
+            </a:pPr>
+            <a:r>
+              <a:rPr lang="en" sz="1700"/>
+              <a:t>Node.js application was deployed on Heroku cloud using the command line interface</a:t>
+            </a:r>
+            <a:endParaRPr sz="1700"/>
+          </a:p>
+          <a:p>
+            <a:pPr indent="-336550" lvl="0" marL="457200" rtl="0" algn="l">
+              <a:spcBef>
+                <a:spcPts val="0"/>
+              </a:spcBef>
+              <a:spcAft>
+                <a:spcPts val="0"/>
+              </a:spcAft>
+              <a:buSzPts val="1700"/>
+              <a:buChar char="●"/>
+            </a:pPr>
+            <a:r>
+              <a:rPr lang="en" sz="1700"/>
+              <a:t>Python Flask was deployed on AWS EC2(t2.medium)</a:t>
+            </a:r>
+            <a:endParaRPr sz="1700"/>
+          </a:p>
+          <a:p>
+            <a:pPr indent="-336550" lvl="0" marL="457200" rtl="0" algn="l">
+              <a:spcBef>
+                <a:spcPts val="0"/>
+              </a:spcBef>
+              <a:spcAft>
+                <a:spcPts val="0"/>
+              </a:spcAft>
+              <a:buSzPts val="1700"/>
+              <a:buChar char="●"/>
+            </a:pPr>
+            <a:r>
+              <a:rPr lang="en" sz="1700"/>
+              <a:t>Heroku was chosen for deploying the Node.js application due to its ease of use and quick deployment process</a:t>
+            </a:r>
+            <a:endParaRPr sz="1700"/>
+          </a:p>
+          <a:p>
+            <a:pPr indent="-336550" lvl="0" marL="457200" rtl="0" algn="l">
+              <a:spcBef>
+                <a:spcPts val="0"/>
+              </a:spcBef>
+              <a:spcAft>
+                <a:spcPts val="0"/>
+              </a:spcAft>
+              <a:buSzPts val="1700"/>
+              <a:buChar char="●"/>
+            </a:pPr>
+            <a:r>
+              <a:rPr lang="en" sz="1700"/>
+              <a:t>AWS EC2 was chosen for deploying the Flask application due to its scalability and flexibility</a:t>
+            </a:r>
+            <a:endParaRPr sz="1700"/>
+          </a:p>
+          <a:p>
+            <a:pPr indent="-336550" lvl="0" marL="457200" rtl="0" algn="l">
+              <a:spcBef>
+                <a:spcPts val="0"/>
+              </a:spcBef>
+              <a:spcAft>
+                <a:spcPts val="0"/>
+              </a:spcAft>
+              <a:buSzPts val="1700"/>
+              <a:buChar char="●"/>
+            </a:pPr>
+            <a:r>
+              <a:rPr lang="en" sz="1700"/>
+              <a:t>Both deployments were successful and the web application is now live and accessible to users.</a:t>
+            </a:r>
+            <a:endParaRPr sz="1300">
+              <a:solidFill>
+                <a:srgbClr val="374151"/>
+              </a:solidFill>
+              <a:highlight>
+                <a:srgbClr val="F7F7F8"/>
+              </a:highlight>
+              <a:latin typeface="Roboto"/>
+              <a:ea typeface="Roboto"/>
+              <a:cs typeface="Roboto"/>
+              <a:sym typeface="Roboto"/>
+            </a:endParaRPr>
+          </a:p>
+          <a:p>
+            <a:pPr indent="0" lvl="0" marL="0" rtl="0" algn="l">
+              <a:spcBef>
+                <a:spcPts val="0"/>
+              </a:spcBef>
+              <a:spcAft>
+                <a:spcPts val="0"/>
+              </a:spcAft>
+              <a:buNone/>
+            </a:pPr>
+            <a:r>
+              <a:t/>
+            </a:r>
+            <a:endParaRPr sz="1700"/>
+          </a:p>
+        </p:txBody>
+      </p:sp>
+    </p:spTree>
+  </p:cSld>
+  <p:clrMapOvr>
+    <a:masterClrMapping/>
+  </p:clrMapOvr>
+</p:sld>
+</file>
+
+<file path=ppt/slides/slide7.xml><?xml version="1.0" encoding="utf-8"?>
+<p:sld xmlns:a="http://schemas.openxmlformats.org/drawingml/2006/main" xmlns:r="http://schemas.openxmlformats.org/officeDocument/2006/relationships" xmlns:mc="http://schemas.openxmlformats.org/markup-compatibility/2006" xmlns:mv="urn:schemas-microsoft-com:mac:vml" xmlns:p="http://schemas.openxmlformats.org/presentationml/2006/main" xmlns:c="http://schemas.openxmlformats.org/drawingml/2006/chart" xmlns:dgm="http://schemas.openxmlformats.org/drawingml/2006/diagram" xmlns:o="urn:schemas-microsoft-com:office:office" xmlns:v="urn:schemas-microsoft-com:vml" xmlns:pvml="urn:schemas-microsoft-com:office:powerpoint" xmlns:com="http://schemas.openxmlformats.org/drawingml/2006/compatibility" xmlns:p14="http://schemas.microsoft.com/office/powerpoint/2010/main" xmlns:p15="http://schemas.microsoft.com/office/powerpoint/2012/main" xmlns:ahyp="http://schemas.microsoft.com/office/drawing/2018/hyperlinkcolor">
+  <p:cSld>
+    <p:spTree>
+      <p:nvGrpSpPr>
+        <p:cNvPr id="312" name="Shape 312"/>
+        <p:cNvGrpSpPr/>
+        <p:nvPr/>
+      </p:nvGrpSpPr>
+      <p:grpSpPr>
+        <a:xfrm>
+          <a:off x="0" y="0"/>
+          <a:ext cx="0" cy="0"/>
+          <a:chOff x="0" y="0"/>
+          <a:chExt cx="0" cy="0"/>
+        </a:xfrm>
+      </p:grpSpPr>
+      <p:sp>
+        <p:nvSpPr>
+          <p:cNvPr id="313" name="Google Shape;313;p19"/>
+          <p:cNvSpPr txBox="1"/>
+          <p:nvPr>
+            <p:ph type="ctrTitle"/>
+          </p:nvPr>
+        </p:nvSpPr>
+        <p:spPr>
+          <a:xfrm>
             <a:off x="2676475" y="61449"/>
             <a:ext cx="3390300" cy="853500"/>
           </a:xfrm>
@@ -16777,7 +17253,7 @@
       </p:sp>
       <p:pic>
         <p:nvPicPr>
-          <p:cNvPr id="308" name="Google Shape;308;p18"/>
+          <p:cNvPr id="314" name="Google Shape;314;p19"/>
           <p:cNvPicPr preferRelativeResize="0"/>
           <p:nvPr/>
         </p:nvPicPr>
@@ -16811,12 +17287,12 @@
 </p:sld>
 </file>
 
-<file path=ppt/slides/slide7.xml><?xml version="1.0" encoding="utf-8"?>
+<file path=ppt/slides/slide8.xml><?xml version="1.0" encoding="utf-8"?>
 <p:sld xmlns:a="http://schemas.openxmlformats.org/drawingml/2006/main" xmlns:r="http://schemas.openxmlformats.org/officeDocument/2006/relationships" xmlns:mc="http://schemas.openxmlformats.org/markup-compatibility/2006" xmlns:mv="urn:schemas-microsoft-com:mac:vml" xmlns:p="http://schemas.openxmlformats.org/presentationml/2006/main" xmlns:c="http://schemas.openxmlformats.org/drawingml/2006/chart" xmlns:dgm="http://schemas.openxmlformats.org/drawingml/2006/diagram" xmlns:o="urn:schemas-microsoft-com:office:office" xmlns:v="urn:schemas-microsoft-com:vml" xmlns:pvml="urn:schemas-microsoft-com:office:powerpoint" xmlns:com="http://schemas.openxmlformats.org/drawingml/2006/compatibility" xmlns:p14="http://schemas.microsoft.com/office/powerpoint/2010/main" xmlns:p15="http://schemas.microsoft.com/office/powerpoint/2012/main" xmlns:ahyp="http://schemas.microsoft.com/office/drawing/2018/hyperlinkcolor">
   <p:cSld>
     <p:spTree>
       <p:nvGrpSpPr>
-        <p:cNvPr id="312" name="Shape 312"/>
+        <p:cNvPr id="318" name="Shape 318"/>
         <p:cNvGrpSpPr/>
         <p:nvPr/>
       </p:nvGrpSpPr>
@@ -16830,7 +17306,7 @@
       </p:grpSpPr>
       <p:pic>
         <p:nvPicPr>
-          <p:cNvPr id="313" name="Google Shape;313;p19"/>
+          <p:cNvPr id="319" name="Google Shape;319;p20"/>
           <p:cNvPicPr preferRelativeResize="0"/>
           <p:nvPr/>
         </p:nvPicPr>
@@ -16858,7 +17334,7 @@
       </p:pic>
       <p:sp>
         <p:nvSpPr>
-          <p:cNvPr id="314" name="Google Shape;314;p19"/>
+          <p:cNvPr id="320" name="Google Shape;320;p20"/>
           <p:cNvSpPr txBox="1"/>
           <p:nvPr/>
         </p:nvSpPr>
@@ -16911,229 +17387,6 @@
               <a:cs typeface="Nunito"/>
               <a:sym typeface="Nunito"/>
             </a:endParaRPr>
-          </a:p>
-        </p:txBody>
-      </p:sp>
-    </p:spTree>
-  </p:cSld>
-  <p:clrMapOvr>
-    <a:masterClrMapping/>
-  </p:clrMapOvr>
-</p:sld>
-</file>
-
-<file path=ppt/slides/slide8.xml><?xml version="1.0" encoding="utf-8"?>
-<p:sld xmlns:a="http://schemas.openxmlformats.org/drawingml/2006/main" xmlns:r="http://schemas.openxmlformats.org/officeDocument/2006/relationships" xmlns:mc="http://schemas.openxmlformats.org/markup-compatibility/2006" xmlns:mv="urn:schemas-microsoft-com:mac:vml" xmlns:p="http://schemas.openxmlformats.org/presentationml/2006/main" xmlns:c="http://schemas.openxmlformats.org/drawingml/2006/chart" xmlns:dgm="http://schemas.openxmlformats.org/drawingml/2006/diagram" xmlns:o="urn:schemas-microsoft-com:office:office" xmlns:v="urn:schemas-microsoft-com:vml" xmlns:pvml="urn:schemas-microsoft-com:office:powerpoint" xmlns:com="http://schemas.openxmlformats.org/drawingml/2006/compatibility" xmlns:p14="http://schemas.microsoft.com/office/powerpoint/2010/main" xmlns:p15="http://schemas.microsoft.com/office/powerpoint/2012/main" xmlns:ahyp="http://schemas.microsoft.com/office/drawing/2018/hyperlinkcolor">
-  <p:cSld>
-    <p:spTree>
-      <p:nvGrpSpPr>
-        <p:cNvPr id="318" name="Shape 318"/>
-        <p:cNvGrpSpPr/>
-        <p:nvPr/>
-      </p:nvGrpSpPr>
-      <p:grpSpPr>
-        <a:xfrm>
-          <a:off x="0" y="0"/>
-          <a:ext cx="0" cy="0"/>
-          <a:chOff x="0" y="0"/>
-          <a:chExt cx="0" cy="0"/>
-        </a:xfrm>
-      </p:grpSpPr>
-      <p:sp>
-        <p:nvSpPr>
-          <p:cNvPr id="319" name="Google Shape;319;p20"/>
-          <p:cNvSpPr txBox="1"/>
-          <p:nvPr>
-            <p:ph type="ctrTitle"/>
-          </p:nvPr>
-        </p:nvSpPr>
-        <p:spPr>
-          <a:xfrm>
-            <a:off x="2718350" y="-160629"/>
-            <a:ext cx="4255500" cy="1282500"/>
-          </a:xfrm>
-          <a:prstGeom prst="rect">
-            <a:avLst/>
-          </a:prstGeom>
-        </p:spPr>
-        <p:txBody>
-          <a:bodyPr anchorCtr="0" anchor="ctr" bIns="91425" lIns="91425" spcFirstLastPara="1" rIns="91425" wrap="square" tIns="91425">
-            <a:normAutofit/>
-          </a:bodyPr>
-          <a:lstStyle/>
-          <a:p>
-            <a:pPr indent="0" lvl="0" marL="0" rtl="0" algn="l">
-              <a:spcBef>
-                <a:spcPts val="0"/>
-              </a:spcBef>
-              <a:spcAft>
-                <a:spcPts val="0"/>
-              </a:spcAft>
-              <a:buNone/>
-            </a:pPr>
-            <a:r>
-              <a:rPr lang="en"/>
-              <a:t>Challenges Faced</a:t>
-            </a:r>
-            <a:endParaRPr/>
-          </a:p>
-        </p:txBody>
-      </p:sp>
-      <p:sp>
-        <p:nvSpPr>
-          <p:cNvPr id="320" name="Google Shape;320;p20"/>
-          <p:cNvSpPr txBox="1"/>
-          <p:nvPr>
-            <p:ph idx="1" type="subTitle"/>
-          </p:nvPr>
-        </p:nvSpPr>
-        <p:spPr>
-          <a:xfrm>
-            <a:off x="554925" y="1049850"/>
-            <a:ext cx="8308800" cy="3956700"/>
-          </a:xfrm>
-          <a:prstGeom prst="rect">
-            <a:avLst/>
-          </a:prstGeom>
-        </p:spPr>
-        <p:txBody>
-          <a:bodyPr anchorCtr="0" anchor="t" bIns="91425" lIns="91425" spcFirstLastPara="1" rIns="91425" wrap="square" tIns="91425">
-            <a:normAutofit/>
-          </a:bodyPr>
-          <a:lstStyle/>
-          <a:p>
-            <a:pPr indent="-336550" lvl="0" marL="457200" rtl="0" algn="l">
-              <a:spcBef>
-                <a:spcPts val="0"/>
-              </a:spcBef>
-              <a:spcAft>
-                <a:spcPts val="0"/>
-              </a:spcAft>
-              <a:buSzPts val="1700"/>
-              <a:buChar char="●"/>
-            </a:pPr>
-            <a:r>
-              <a:rPr lang="en" sz="1700"/>
-              <a:t>Tried deploying flask application onto different cloud platforms like Streamlit, Digital Ocean, Heroku, and Google Cloud App</a:t>
-            </a:r>
-            <a:endParaRPr sz="1700"/>
-          </a:p>
-          <a:p>
-            <a:pPr indent="-336550" lvl="0" marL="457200" rtl="0" algn="l">
-              <a:spcBef>
-                <a:spcPts val="0"/>
-              </a:spcBef>
-              <a:spcAft>
-                <a:spcPts val="0"/>
-              </a:spcAft>
-              <a:buSzPts val="1700"/>
-              <a:buChar char="●"/>
-            </a:pPr>
-            <a:r>
-              <a:rPr lang="en" sz="1700"/>
-              <a:t>Faced issues with each platform during the process</a:t>
-            </a:r>
-            <a:endParaRPr sz="1700"/>
-          </a:p>
-          <a:p>
-            <a:pPr indent="-336550" lvl="0" marL="457200" rtl="0" algn="l">
-              <a:spcBef>
-                <a:spcPts val="0"/>
-              </a:spcBef>
-              <a:spcAft>
-                <a:spcPts val="0"/>
-              </a:spcAft>
-              <a:buSzPts val="1700"/>
-              <a:buChar char="●"/>
-            </a:pPr>
-            <a:r>
-              <a:rPr lang="en" sz="1700"/>
-              <a:t>Streamlit: faced python version incompatibility issues</a:t>
-            </a:r>
-            <a:endParaRPr sz="1700"/>
-          </a:p>
-          <a:p>
-            <a:pPr indent="-336550" lvl="0" marL="457200" rtl="0" algn="l">
-              <a:spcBef>
-                <a:spcPts val="0"/>
-              </a:spcBef>
-              <a:spcAft>
-                <a:spcPts val="0"/>
-              </a:spcAft>
-              <a:buSzPts val="1700"/>
-              <a:buChar char="●"/>
-            </a:pPr>
-            <a:r>
-              <a:rPr lang="en" sz="1700"/>
-              <a:t>Heroku: maximum upload size of 500mb, which was not sufficient for our model</a:t>
-            </a:r>
-            <a:endParaRPr sz="1700"/>
-          </a:p>
-          <a:p>
-            <a:pPr indent="-336550" lvl="0" marL="457200" rtl="0" algn="l">
-              <a:spcBef>
-                <a:spcPts val="0"/>
-              </a:spcBef>
-              <a:spcAft>
-                <a:spcPts val="0"/>
-              </a:spcAft>
-              <a:buSzPts val="1700"/>
-              <a:buChar char="●"/>
-            </a:pPr>
-            <a:r>
-              <a:rPr lang="en" sz="1700"/>
-              <a:t>Read only issue in Google App Engine.</a:t>
-            </a:r>
-            <a:endParaRPr sz="1700"/>
-          </a:p>
-          <a:p>
-            <a:pPr indent="-336550" lvl="0" marL="457200" rtl="0" algn="l">
-              <a:spcBef>
-                <a:spcPts val="0"/>
-              </a:spcBef>
-              <a:spcAft>
-                <a:spcPts val="0"/>
-              </a:spcAft>
-              <a:buSzPts val="1700"/>
-              <a:buChar char="●"/>
-            </a:pPr>
-            <a:r>
-              <a:rPr lang="en" sz="1700"/>
-              <a:t>AWS Elastic Beanstalk: faced issues with S3 and EC2 instance triggering</a:t>
-            </a:r>
-            <a:endParaRPr sz="1700"/>
-          </a:p>
-          <a:p>
-            <a:pPr indent="-336550" lvl="0" marL="457200" rtl="0" algn="l">
-              <a:spcBef>
-                <a:spcPts val="0"/>
-              </a:spcBef>
-              <a:spcAft>
-                <a:spcPts val="0"/>
-              </a:spcAft>
-              <a:buSzPts val="1700"/>
-              <a:buChar char="●"/>
-            </a:pPr>
-            <a:r>
-              <a:rPr lang="en" sz="1700"/>
-              <a:t>Manually triggered the EC2 instance and pushed the code, which is now successfully running.</a:t>
-            </a:r>
-            <a:endParaRPr sz="1700"/>
-          </a:p>
-          <a:p>
-            <a:pPr indent="0" lvl="0" marL="457200" rtl="0" algn="l">
-              <a:spcBef>
-                <a:spcPts val="0"/>
-              </a:spcBef>
-              <a:spcAft>
-                <a:spcPts val="0"/>
-              </a:spcAft>
-              <a:buNone/>
-            </a:pPr>
-            <a:r>
-              <a:t/>
-            </a:r>
-            <a:endParaRPr sz="1700"/>
           </a:p>
         </p:txBody>
       </p:sp>
@@ -17172,8 +17425,8 @@
         </p:nvSpPr>
         <p:spPr>
           <a:xfrm>
-            <a:off x="2314275" y="1635288"/>
-            <a:ext cx="4255500" cy="1872900"/>
+            <a:off x="2718350" y="-160629"/>
+            <a:ext cx="4255500" cy="1282500"/>
           </a:xfrm>
           <a:prstGeom prst="rect">
             <a:avLst/>
@@ -17185,7 +17438,7 @@
           </a:bodyPr>
           <a:lstStyle/>
           <a:p>
-            <a:pPr indent="0" lvl="0" marL="0" rtl="0" algn="ctr">
+            <a:pPr indent="0" lvl="0" marL="0" rtl="0" algn="l">
               <a:spcBef>
                 <a:spcPts val="0"/>
               </a:spcBef>
@@ -17195,10 +17448,172 @@
               <a:buNone/>
             </a:pPr>
             <a:r>
-              <a:rPr lang="en" sz="4700"/>
-              <a:t>Thank you!!</a:t>
+              <a:rPr lang="en"/>
+              <a:t>Challenges Faced</a:t>
             </a:r>
-            <a:endParaRPr sz="4700"/>
+            <a:endParaRPr/>
+          </a:p>
+        </p:txBody>
+      </p:sp>
+      <p:sp>
+        <p:nvSpPr>
+          <p:cNvPr id="326" name="Google Shape;326;p21"/>
+          <p:cNvSpPr txBox="1"/>
+          <p:nvPr>
+            <p:ph idx="1" type="subTitle"/>
+          </p:nvPr>
+        </p:nvSpPr>
+        <p:spPr>
+          <a:xfrm>
+            <a:off x="554925" y="1049850"/>
+            <a:ext cx="8308800" cy="3956700"/>
+          </a:xfrm>
+          <a:prstGeom prst="rect">
+            <a:avLst/>
+          </a:prstGeom>
+        </p:spPr>
+        <p:txBody>
+          <a:bodyPr anchorCtr="0" anchor="t" bIns="91425" lIns="91425" spcFirstLastPara="1" rIns="91425" wrap="square" tIns="91425">
+            <a:normAutofit/>
+          </a:bodyPr>
+          <a:lstStyle/>
+          <a:p>
+            <a:pPr indent="-336550" lvl="0" marL="457200" rtl="0" algn="l">
+              <a:spcBef>
+                <a:spcPts val="0"/>
+              </a:spcBef>
+              <a:spcAft>
+                <a:spcPts val="0"/>
+              </a:spcAft>
+              <a:buSzPts val="1700"/>
+              <a:buChar char="●"/>
+            </a:pPr>
+            <a:r>
+              <a:rPr lang="en" sz="1700"/>
+              <a:t>Tried deploying flask application onto different cloud platforms like Streamlit, Digital Ocean, Heroku, and Google Cloud App</a:t>
+            </a:r>
+            <a:endParaRPr sz="1700"/>
+          </a:p>
+          <a:p>
+            <a:pPr indent="-336550" lvl="0" marL="457200" rtl="0" algn="l">
+              <a:spcBef>
+                <a:spcPts val="0"/>
+              </a:spcBef>
+              <a:spcAft>
+                <a:spcPts val="0"/>
+              </a:spcAft>
+              <a:buSzPts val="1700"/>
+              <a:buChar char="●"/>
+            </a:pPr>
+            <a:r>
+              <a:rPr lang="en" sz="1700"/>
+              <a:t>Faced issues with each platform during the process</a:t>
+            </a:r>
+            <a:endParaRPr sz="1700"/>
+          </a:p>
+          <a:p>
+            <a:pPr indent="-336550" lvl="0" marL="457200" rtl="0" algn="l">
+              <a:spcBef>
+                <a:spcPts val="0"/>
+              </a:spcBef>
+              <a:spcAft>
+                <a:spcPts val="0"/>
+              </a:spcAft>
+              <a:buSzPts val="1700"/>
+              <a:buChar char="●"/>
+            </a:pPr>
+            <a:r>
+              <a:rPr lang="en" sz="1700"/>
+              <a:t>Streamlit: faced python version incompatibility issues</a:t>
+            </a:r>
+            <a:endParaRPr sz="1700"/>
+          </a:p>
+          <a:p>
+            <a:pPr indent="-336550" lvl="0" marL="457200" rtl="0" algn="l">
+              <a:spcBef>
+                <a:spcPts val="0"/>
+              </a:spcBef>
+              <a:spcAft>
+                <a:spcPts val="0"/>
+              </a:spcAft>
+              <a:buSzPts val="1700"/>
+              <a:buChar char="●"/>
+            </a:pPr>
+            <a:r>
+              <a:rPr lang="en" sz="1700"/>
+              <a:t>Heroku: maximum upload size of 500mb, which was not sufficient for our model</a:t>
+            </a:r>
+            <a:endParaRPr sz="1700"/>
+          </a:p>
+          <a:p>
+            <a:pPr indent="-336550" lvl="0" marL="457200" rtl="0" algn="l">
+              <a:spcBef>
+                <a:spcPts val="0"/>
+              </a:spcBef>
+              <a:spcAft>
+                <a:spcPts val="0"/>
+              </a:spcAft>
+              <a:buSzPts val="1700"/>
+              <a:buChar char="●"/>
+            </a:pPr>
+            <a:r>
+              <a:rPr lang="en" sz="1700"/>
+              <a:t>Read</a:t>
+            </a:r>
+            <a:r>
+              <a:rPr lang="en" sz="1700"/>
+              <a:t> only issue in Google App Engine.</a:t>
+            </a:r>
+            <a:endParaRPr sz="1700"/>
+          </a:p>
+          <a:p>
+            <a:pPr indent="-336550" lvl="0" marL="457200" rtl="0" algn="l">
+              <a:spcBef>
+                <a:spcPts val="0"/>
+              </a:spcBef>
+              <a:spcAft>
+                <a:spcPts val="0"/>
+              </a:spcAft>
+              <a:buSzPts val="1700"/>
+              <a:buChar char="●"/>
+            </a:pPr>
+            <a:r>
+              <a:rPr lang="en" sz="1700"/>
+              <a:t>AWS Elastic Beanstalk: faced issues with S3 and EC2 instance triggering</a:t>
+            </a:r>
+            <a:endParaRPr sz="1700"/>
+          </a:p>
+          <a:p>
+            <a:pPr indent="-336550" lvl="0" marL="457200" rtl="0" algn="l">
+              <a:spcBef>
+                <a:spcPts val="0"/>
+              </a:spcBef>
+              <a:spcAft>
+                <a:spcPts val="0"/>
+              </a:spcAft>
+              <a:buSzPts val="1700"/>
+              <a:buChar char="●"/>
+            </a:pPr>
+            <a:r>
+              <a:rPr lang="en" sz="1700"/>
+              <a:t>Manually triggered the EC2 instance and pushed the code, which is now successfully running.</a:t>
+            </a:r>
+            <a:endParaRPr sz="1700"/>
+          </a:p>
+          <a:p>
+            <a:pPr indent="0" lvl="0" marL="457200" rtl="0" algn="l">
+              <a:spcBef>
+                <a:spcPts val="0"/>
+              </a:spcBef>
+              <a:spcAft>
+                <a:spcPts val="0"/>
+              </a:spcAft>
+              <a:buNone/>
+            </a:pPr>
+            <a:r>
+              <a:t/>
+            </a:r>
+            <a:endParaRPr sz="1700"/>
           </a:p>
         </p:txBody>
       </p:sp>
@@ -17211,6 +17626,285 @@
 </file>
 
 <file path=ppt/theme/theme1.xml><?xml version="1.0" encoding="utf-8"?>
+<a:theme xmlns:a="http://schemas.openxmlformats.org/drawingml/2006/main" xmlns:r="http://schemas.openxmlformats.org/officeDocument/2006/relationships" name="Momentum">
+  <a:themeElements>
+    <a:clrScheme name="Momentum">
+      <a:dk1>
+        <a:srgbClr val="C0791B"/>
+      </a:dk1>
+      <a:lt1>
+        <a:srgbClr val="FFFFFF"/>
+      </a:lt1>
+      <a:dk2>
+        <a:srgbClr val="424242"/>
+      </a:dk2>
+      <a:lt2>
+        <a:srgbClr val="8DD8D3"/>
+      </a:lt2>
+      <a:accent1>
+        <a:srgbClr val="0B6374"/>
+      </a:accent1>
+      <a:accent2>
+        <a:srgbClr val="FD5B58"/>
+      </a:accent2>
+      <a:accent3>
+        <a:srgbClr val="599191"/>
+      </a:accent3>
+      <a:accent4>
+        <a:srgbClr val="D7E6A3"/>
+      </a:accent4>
+      <a:accent5>
+        <a:srgbClr val="27278B"/>
+      </a:accent5>
+      <a:accent6>
+        <a:srgbClr val="D558AB"/>
+      </a:accent6>
+      <a:hlink>
+        <a:srgbClr val="27278B"/>
+      </a:hlink>
+      <a:folHlink>
+        <a:srgbClr val="27278B"/>
+      </a:folHlink>
+    </a:clrScheme>
+    <a:fontScheme name="Office">
+      <a:majorFont>
+        <a:latin typeface="Arial"/>
+        <a:ea typeface=""/>
+        <a:cs typeface=""/>
+        <a:font script="Jpan" typeface="ＭＳ Ｐゴシック"/>
+        <a:font script="Hang" typeface="맑은 고딕"/>
+        <a:font script="Hans" typeface="宋体"/>
+        <a:font script="Hant" typeface="新細明體"/>
+        <a:font script="Arab" typeface="Times New Roman"/>
+        <a:font script="Hebr" typeface="Times New Roman"/>
+        <a:font script="Thai" typeface="Angsana New"/>
+        <a:font script="Ethi" typeface="Nyala"/>
+        <a:font script="Beng" typeface="Vrinda"/>
+        <a:font script="Gujr" typeface="Shruti"/>
+        <a:font script="Khmr" typeface="MoolBoran"/>
+        <a:font script="Knda" typeface="Tunga"/>
+        <a:font script="Guru" typeface="Raavi"/>
+        <a:font script="Cans" typeface="Euphemia"/>
+        <a:font script="Cher" typeface="Plantagenet Cherokee"/>
+        <a:font script="Yiii" typeface="Microsoft Yi Baiti"/>
+        <a:font script="Tibt" typeface="Microsoft Himalaya"/>
+        <a:font script="Thaa" typeface="MV Boli"/>
+        <a:font script="Deva" typeface="Mangal"/>
+        <a:font script="Telu" typeface="Gautami"/>
+        <a:font script="Taml" typeface="Latha"/>
+        <a:font script="Syrc" typeface="Estrangelo Edessa"/>
+        <a:font script="Orya" typeface="Kalinga"/>
+        <a:font script="Mlym" typeface="Kartika"/>
+        <a:font script="Laoo" typeface="DokChampa"/>
+        <a:font script="Sinh" typeface="Iskoola Pota"/>
+        <a:font script="Mong" typeface="Mongolian Baiti"/>
+        <a:font script="Viet" typeface="Times New Roman"/>
+        <a:font script="Uigh" typeface="Microsoft Uighur"/>
+        <a:font script="Geor" typeface="Sylfaen"/>
+      </a:majorFont>
+      <a:minorFont>
+        <a:latin typeface="Arial"/>
+        <a:ea typeface=""/>
+        <a:cs typeface=""/>
+        <a:font script="Jpan" typeface="ＭＳ Ｐゴシック"/>
+        <a:font script="Hang" typeface="맑은 고딕"/>
+        <a:font script="Hans" typeface="宋体"/>
+        <a:font script="Hant" typeface="新細明體"/>
+        <a:font script="Arab" typeface="Arial"/>
+        <a:font script="Hebr" typeface="Arial"/>
+        <a:font script="Thai" typeface="Cordia New"/>
+        <a:font script="Ethi" typeface="Nyala"/>
+        <a:font script="Beng" typeface="Vrinda"/>
+        <a:font script="Gujr" typeface="Shruti"/>
+        <a:font script="Khmr" typeface="DaunPenh"/>
+        <a:font script="Knda" typeface="Tunga"/>
+        <a:font script="Guru" typeface="Raavi"/>
+        <a:font script="Cans" typeface="Euphemia"/>
+        <a:font script="Cher" typeface="Plantagenet Cherokee"/>
+        <a:font script="Yiii" typeface="Microsoft Yi Baiti"/>
+        <a:font script="Tibt" typeface="Microsoft Himalaya"/>
+        <a:font script="Thaa" typeface="MV Boli"/>
+        <a:font script="Deva" typeface="Mangal"/>
+        <a:font script="Telu" typeface="Gautami"/>
+        <a:font script="Taml" typeface="Latha"/>
+        <a:font script="Syrc" typeface="Estrangelo Edessa"/>
+        <a:font script="Orya" typeface="Kalinga"/>
+        <a:font script="Mlym" typeface="Kartika"/>
+        <a:font script="Laoo" typeface="DokChampa"/>
+        <a:font script="Sinh" typeface="Iskoola Pota"/>
+        <a:font script="Mong" typeface="Mongolian Baiti"/>
+        <a:font script="Viet" typeface="Arial"/>
+        <a:font script="Uigh" typeface="Microsoft Uighur"/>
+        <a:font script="Geor" typeface="Sylfaen"/>
+      </a:minorFont>
+    </a:fontScheme>
+    <a:fmtScheme name="Office">
+      <a:fillStyleLst>
+        <a:solidFill>
+          <a:schemeClr val="phClr"/>
+        </a:solidFill>
+        <a:gradFill rotWithShape="1">
+          <a:gsLst>
+            <a:gs pos="0">
+              <a:schemeClr val="phClr">
+                <a:tint val="50000"/>
+                <a:satMod val="300000"/>
+              </a:schemeClr>
+            </a:gs>
+            <a:gs pos="35000">
+              <a:schemeClr val="phClr">
+                <a:tint val="37000"/>
+                <a:satMod val="300000"/>
+              </a:schemeClr>
+            </a:gs>
+            <a:gs pos="100000">
+              <a:schemeClr val="phClr">
+                <a:tint val="15000"/>
+                <a:satMod val="350000"/>
+              </a:schemeClr>
+            </a:gs>
+          </a:gsLst>
+          <a:lin ang="16200000" scaled="1"/>
+        </a:gradFill>
+        <a:gradFill rotWithShape="1">
+          <a:gsLst>
+            <a:gs pos="0">
+              <a:schemeClr val="phClr">
+                <a:tint val="100000"/>
+                <a:shade val="100000"/>
+                <a:satMod val="130000"/>
+              </a:schemeClr>
+            </a:gs>
+            <a:gs pos="100000">
+              <a:schemeClr val="phClr">
+                <a:tint val="50000"/>
+                <a:shade val="100000"/>
+                <a:satMod val="350000"/>
+              </a:schemeClr>
+            </a:gs>
+          </a:gsLst>
+          <a:lin ang="16200000" scaled="0"/>
+        </a:gradFill>
+      </a:fillStyleLst>
+      <a:lnStyleLst>
+        <a:ln w="9525" cap="flat" cmpd="sng" algn="ctr">
+          <a:solidFill>
+            <a:schemeClr val="phClr">
+              <a:shade val="95000"/>
+              <a:satMod val="105000"/>
+            </a:schemeClr>
+          </a:solidFill>
+          <a:prstDash val="solid"/>
+        </a:ln>
+        <a:ln w="25400" cap="flat" cmpd="sng" algn="ctr">
+          <a:solidFill>
+            <a:schemeClr val="phClr"/>
+          </a:solidFill>
+          <a:prstDash val="solid"/>
+        </a:ln>
+        <a:ln w="38100" cap="flat" cmpd="sng" algn="ctr">
+          <a:solidFill>
+            <a:schemeClr val="phClr"/>
+          </a:solidFill>
+          <a:prstDash val="solid"/>
+        </a:ln>
+      </a:lnStyleLst>
+      <a:effectStyleLst>
+        <a:effectStyle>
+          <a:effectLst>
+            <a:outerShdw blurRad="40000" dist="20000" dir="5400000" rotWithShape="0">
+              <a:srgbClr val="000000">
+                <a:alpha val="38000"/>
+              </a:srgbClr>
+            </a:outerShdw>
+          </a:effectLst>
+        </a:effectStyle>
+        <a:effectStyle>
+          <a:effectLst>
+            <a:outerShdw blurRad="40000" dist="23000" dir="5400000" rotWithShape="0">
+              <a:srgbClr val="000000">
+                <a:alpha val="35000"/>
+              </a:srgbClr>
+            </a:outerShdw>
+          </a:effectLst>
+        </a:effectStyle>
+        <a:effectStyle>
+          <a:effectLst>
+            <a:outerShdw blurRad="40000" dist="23000" dir="5400000" rotWithShape="0">
+              <a:srgbClr val="000000">
+                <a:alpha val="35000"/>
+              </a:srgbClr>
+            </a:outerShdw>
+          </a:effectLst>
+          <a:scene3d>
+            <a:camera prst="orthographicFront">
+              <a:rot lat="0" lon="0" rev="0"/>
+            </a:camera>
+            <a:lightRig rig="threePt" dir="t">
+              <a:rot lat="0" lon="0" rev="1200000"/>
+            </a:lightRig>
+          </a:scene3d>
+          <a:sp3d>
+            <a:bevelT w="63500" h="25400"/>
+          </a:sp3d>
+        </a:effectStyle>
+      </a:effectStyleLst>
+      <a:bgFillStyleLst>
+        <a:solidFill>
+          <a:schemeClr val="phClr"/>
+        </a:solidFill>
+        <a:gradFill rotWithShape="1">
+          <a:gsLst>
+            <a:gs pos="0">
+              <a:schemeClr val="phClr">
+                <a:tint val="40000"/>
+                <a:satMod val="350000"/>
+              </a:schemeClr>
+            </a:gs>
+            <a:gs pos="40000">
+              <a:schemeClr val="phClr">
+                <a:tint val="45000"/>
+                <a:shade val="99000"/>
+                <a:satMod val="350000"/>
+              </a:schemeClr>
+            </a:gs>
+            <a:gs pos="100000">
+              <a:schemeClr val="phClr">
+                <a:shade val="20000"/>
+                <a:satMod val="255000"/>
+              </a:schemeClr>
+            </a:gs>
+          </a:gsLst>
+          <a:path path="circle">
+            <a:fillToRect l="50000" t="-80000" r="50000" b="180000"/>
+          </a:path>
+        </a:gradFill>
+        <a:gradFill rotWithShape="1">
+          <a:gsLst>
+            <a:gs pos="0">
+              <a:schemeClr val="phClr">
+                <a:tint val="80000"/>
+                <a:satMod val="300000"/>
+              </a:schemeClr>
+            </a:gs>
+            <a:gs pos="100000">
+              <a:schemeClr val="phClr">
+                <a:shade val="30000"/>
+                <a:satMod val="200000"/>
+              </a:schemeClr>
+            </a:gs>
+          </a:gsLst>
+          <a:path path="circle">
+            <a:fillToRect l="50000" t="50000" r="50000" b="50000"/>
+          </a:path>
+        </a:gradFill>
+      </a:bgFillStyleLst>
+    </a:fmtScheme>
+  </a:themeElements>
+</a:theme>
+</file>
+
+<file path=ppt/theme/theme2.xml><?xml version="1.0" encoding="utf-8"?>
 <a:theme xmlns:a="http://schemas.openxmlformats.org/drawingml/2006/main" xmlns:r="http://schemas.openxmlformats.org/officeDocument/2006/relationships">
   <a:themeElements>
     <a:clrScheme name="Default">
@@ -17487,283 +18181,4 @@
     </a:fmtScheme>
   </a:themeElements>
 </a:theme>
-</file>
-
-<file path=ppt/theme/theme2.xml><?xml version="1.0" encoding="utf-8"?>
-<a:theme xmlns:a="http://schemas.openxmlformats.org/drawingml/2006/main" xmlns:r="http://schemas.openxmlformats.org/officeDocument/2006/relationships" name="Momentum">
-  <a:themeElements>
-    <a:clrScheme name="Momentum">
-      <a:dk1>
-        <a:srgbClr val="C0791B"/>
-      </a:dk1>
-      <a:lt1>
-        <a:srgbClr val="FFFFFF"/>
-      </a:lt1>
-      <a:dk2>
-        <a:srgbClr val="424242"/>
-      </a:dk2>
-      <a:lt2>
-        <a:srgbClr val="8DD8D3"/>
-      </a:lt2>
-      <a:accent1>
-        <a:srgbClr val="0B6374"/>
-      </a:accent1>
-      <a:accent2>
-        <a:srgbClr val="FD5B58"/>
-      </a:accent2>
-      <a:accent3>
-        <a:srgbClr val="599191"/>
-      </a:accent3>
-      <a:accent4>
-        <a:srgbClr val="D7E6A3"/>
-      </a:accent4>
-      <a:accent5>
-        <a:srgbClr val="27278B"/>
-      </a:accent5>
-      <a:accent6>
-        <a:srgbClr val="D558AB"/>
-      </a:accent6>
-      <a:hlink>
-        <a:srgbClr val="27278B"/>
-      </a:hlink>
-      <a:folHlink>
-        <a:srgbClr val="27278B"/>
-      </a:folHlink>
-    </a:clrScheme>
-    <a:fontScheme name="Office">
-      <a:majorFont>
-        <a:latin typeface="Arial"/>
-        <a:ea typeface=""/>
-        <a:cs typeface=""/>
-        <a:font script="Jpan" typeface="ＭＳ Ｐゴシック"/>
-        <a:font script="Hang" typeface="맑은 고딕"/>
-        <a:font script="Hans" typeface="宋体"/>
-        <a:font script="Hant" typeface="新細明體"/>
-        <a:font script="Arab" typeface="Times New Roman"/>
-        <a:font script="Hebr" typeface="Times New Roman"/>
-        <a:font script="Thai" typeface="Angsana New"/>
-        <a:font script="Ethi" typeface="Nyala"/>
-        <a:font script="Beng" typeface="Vrinda"/>
-        <a:font script="Gujr" typeface="Shruti"/>
-        <a:font script="Khmr" typeface="MoolBoran"/>
-        <a:font script="Knda" typeface="Tunga"/>
-        <a:font script="Guru" typeface="Raavi"/>
-        <a:font script="Cans" typeface="Euphemia"/>
-        <a:font script="Cher" typeface="Plantagenet Cherokee"/>
-        <a:font script="Yiii" typeface="Microsoft Yi Baiti"/>
-        <a:font script="Tibt" typeface="Microsoft Himalaya"/>
-        <a:font script="Thaa" typeface="MV Boli"/>
-        <a:font script="Deva" typeface="Mangal"/>
-        <a:font script="Telu" typeface="Gautami"/>
-        <a:font script="Taml" typeface="Latha"/>
-        <a:font script="Syrc" typeface="Estrangelo Edessa"/>
-        <a:font script="Orya" typeface="Kalinga"/>
-        <a:font script="Mlym" typeface="Kartika"/>
-        <a:font script="Laoo" typeface="DokChampa"/>
-        <a:font script="Sinh" typeface="Iskoola Pota"/>
-        <a:font script="Mong" typeface="Mongolian Baiti"/>
-        <a:font script="Viet" typeface="Times New Roman"/>
-        <a:font script="Uigh" typeface="Microsoft Uighur"/>
-        <a:font script="Geor" typeface="Sylfaen"/>
-      </a:majorFont>
-      <a:minorFont>
-        <a:latin typeface="Arial"/>
-        <a:ea typeface=""/>
-        <a:cs typeface=""/>
-        <a:font script="Jpan" typeface="ＭＳ Ｐゴシック"/>
-        <a:font script="Hang" typeface="맑은 고딕"/>
-        <a:font script="Hans" typeface="宋体"/>
-        <a:font script="Hant" typeface="新細明體"/>
-        <a:font script="Arab" typeface="Arial"/>
-        <a:font script="Hebr" typeface="Arial"/>
-        <a:font script="Thai" typeface="Cordia New"/>
-        <a:font script="Ethi" typeface="Nyala"/>
-        <a:font script="Beng" typeface="Vrinda"/>
-        <a:font script="Gujr" typeface="Shruti"/>
-        <a:font script="Khmr" typeface="DaunPenh"/>
-        <a:font script="Knda" typeface="Tunga"/>
-        <a:font script="Guru" typeface="Raavi"/>
-        <a:font script="Cans" typeface="Euphemia"/>
-        <a:font script="Cher" typeface="Plantagenet Cherokee"/>
-        <a:font script="Yiii" typeface="Microsoft Yi Baiti"/>
-        <a:font script="Tibt" typeface="Microsoft Himalaya"/>
-        <a:font script="Thaa" typeface="MV Boli"/>
-        <a:font script="Deva" typeface="Mangal"/>
-        <a:font script="Telu" typeface="Gautami"/>
-        <a:font script="Taml" typeface="Latha"/>
-        <a:font script="Syrc" typeface="Estrangelo Edessa"/>
-        <a:font script="Orya" typeface="Kalinga"/>
-        <a:font script="Mlym" typeface="Kartika"/>
-        <a:font script="Laoo" typeface="DokChampa"/>
-        <a:font script="Sinh" typeface="Iskoola Pota"/>
-        <a:font script="Mong" typeface="Mongolian Baiti"/>
-        <a:font script="Viet" typeface="Arial"/>
-        <a:font script="Uigh" typeface="Microsoft Uighur"/>
-        <a:font script="Geor" typeface="Sylfaen"/>
-      </a:minorFont>
-    </a:fontScheme>
-    <a:fmtScheme name="Office">
-      <a:fillStyleLst>
-        <a:solidFill>
-          <a:schemeClr val="phClr"/>
-        </a:solidFill>
-        <a:gradFill rotWithShape="1">
-          <a:gsLst>
-            <a:gs pos="0">
-              <a:schemeClr val="phClr">
-                <a:tint val="50000"/>
-                <a:satMod val="300000"/>
-              </a:schemeClr>
-            </a:gs>
-            <a:gs pos="35000">
-              <a:schemeClr val="phClr">
-                <a:tint val="37000"/>
-                <a:satMod val="300000"/>
-              </a:schemeClr>
-            </a:gs>
-            <a:gs pos="100000">
-              <a:schemeClr val="phClr">
-                <a:tint val="15000"/>
-                <a:satMod val="350000"/>
-              </a:schemeClr>
-            </a:gs>
-          </a:gsLst>
-          <a:lin ang="16200000" scaled="1"/>
-        </a:gradFill>
-        <a:gradFill rotWithShape="1">
-          <a:gsLst>
-            <a:gs pos="0">
-              <a:schemeClr val="phClr">
-                <a:tint val="100000"/>
-                <a:shade val="100000"/>
-                <a:satMod val="130000"/>
-              </a:schemeClr>
-            </a:gs>
-            <a:gs pos="100000">
-              <a:schemeClr val="phClr">
-                <a:tint val="50000"/>
-                <a:shade val="100000"/>
-                <a:satMod val="350000"/>
-              </a:schemeClr>
-            </a:gs>
-          </a:gsLst>
-          <a:lin ang="16200000" scaled="0"/>
-        </a:gradFill>
-      </a:fillStyleLst>
-      <a:lnStyleLst>
-        <a:ln w="9525" cap="flat" cmpd="sng" algn="ctr">
-          <a:solidFill>
-            <a:schemeClr val="phClr">
-              <a:shade val="95000"/>
-              <a:satMod val="105000"/>
-            </a:schemeClr>
-          </a:solidFill>
-          <a:prstDash val="solid"/>
-        </a:ln>
-        <a:ln w="25400" cap="flat" cmpd="sng" algn="ctr">
-          <a:solidFill>
-            <a:schemeClr val="phClr"/>
-          </a:solidFill>
-          <a:prstDash val="solid"/>
-        </a:ln>
-        <a:ln w="38100" cap="flat" cmpd="sng" algn="ctr">
-          <a:solidFill>
-            <a:schemeClr val="phClr"/>
-          </a:solidFill>
-          <a:prstDash val="solid"/>
-        </a:ln>
-      </a:lnStyleLst>
-      <a:effectStyleLst>
-        <a:effectStyle>
-          <a:effectLst>
-            <a:outerShdw blurRad="40000" dist="20000" dir="5400000" rotWithShape="0">
-              <a:srgbClr val="000000">
-                <a:alpha val="38000"/>
-              </a:srgbClr>
-            </a:outerShdw>
-          </a:effectLst>
-        </a:effectStyle>
-        <a:effectStyle>
-          <a:effectLst>
-            <a:outerShdw blurRad="40000" dist="23000" dir="5400000" rotWithShape="0">
-              <a:srgbClr val="000000">
-                <a:alpha val="35000"/>
-              </a:srgbClr>
-            </a:outerShdw>
-          </a:effectLst>
-        </a:effectStyle>
-        <a:effectStyle>
-          <a:effectLst>
-            <a:outerShdw blurRad="40000" dist="23000" dir="5400000" rotWithShape="0">
-              <a:srgbClr val="000000">
-                <a:alpha val="35000"/>
-              </a:srgbClr>
-            </a:outerShdw>
-          </a:effectLst>
-          <a:scene3d>
-            <a:camera prst="orthographicFront">
-              <a:rot lat="0" lon="0" rev="0"/>
-            </a:camera>
-            <a:lightRig rig="threePt" dir="t">
-              <a:rot lat="0" lon="0" rev="1200000"/>
-            </a:lightRig>
-          </a:scene3d>
-          <a:sp3d>
-            <a:bevelT w="63500" h="25400"/>
-          </a:sp3d>
-        </a:effectStyle>
-      </a:effectStyleLst>
-      <a:bgFillStyleLst>
-        <a:solidFill>
-          <a:schemeClr val="phClr"/>
-        </a:solidFill>
-        <a:gradFill rotWithShape="1">
-          <a:gsLst>
-            <a:gs pos="0">
-              <a:schemeClr val="phClr">
-                <a:tint val="40000"/>
-                <a:satMod val="350000"/>
-              </a:schemeClr>
-            </a:gs>
-            <a:gs pos="40000">
-              <a:schemeClr val="phClr">
-                <a:tint val="45000"/>
-                <a:shade val="99000"/>
-                <a:satMod val="350000"/>
-              </a:schemeClr>
-            </a:gs>
-            <a:gs pos="100000">
-              <a:schemeClr val="phClr">
-                <a:shade val="20000"/>
-                <a:satMod val="255000"/>
-              </a:schemeClr>
-            </a:gs>
-          </a:gsLst>
-          <a:path path="circle">
-            <a:fillToRect l="50000" t="-80000" r="50000" b="180000"/>
-          </a:path>
-        </a:gradFill>
-        <a:gradFill rotWithShape="1">
-          <a:gsLst>
-            <a:gs pos="0">
-              <a:schemeClr val="phClr">
-                <a:tint val="80000"/>
-                <a:satMod val="300000"/>
-              </a:schemeClr>
-            </a:gs>
-            <a:gs pos="100000">
-              <a:schemeClr val="phClr">
-                <a:shade val="30000"/>
-                <a:satMod val="200000"/>
-              </a:schemeClr>
-            </a:gs>
-          </a:gsLst>
-          <a:path path="circle">
-            <a:fillToRect l="50000" t="50000" r="50000" b="50000"/>
-          </a:path>
-        </a:gradFill>
-      </a:bgFillStyleLst>
-    </a:fmtScheme>
-  </a:themeElements>
-</a:theme>
 </file>